--- a/Session4/session4_MRamos.pptx
+++ b/Session4/session4_MRamos.pptx
@@ -133,7 +133,7 @@
   </p:defaultTextStyle>
   <p:extLst>
     <p:ext uri="{EFAFB233-063F-42B5-8137-9DF3F51BA10A}">
-      <p15:sldGuideLst xmlns:p15="http://schemas.microsoft.com/office/powerpoint/2012/main">
+      <p15:sldGuideLst xmlns:p15="http://schemas.microsoft.com/office/powerpoint/2012/main" xmlns="">
         <p15:guide id="1" orient="horz" pos="2160">
           <p15:clr>
             <a:srgbClr val="A4A3A4"/>
@@ -232,7 +232,7 @@
           <a:p>
             <a:fld id="{F4BDB371-1C05-4FD4-BB0E-FCEE5EB6F818}" type="datetimeFigureOut">
               <a:rPr lang="en-US" smtClean="0"/>
-              <a:t>7/27/2016</a:t>
+              <a:t>8/4/2016</a:t>
             </a:fld>
             <a:endParaRPr lang="en-US"/>
           </a:p>
@@ -1486,7 +1486,7 @@
           <a:p>
             <a:fld id="{310C515B-9C09-4435-86AC-AAC4045ED2C0}" type="datetimeFigureOut">
               <a:rPr lang="en-US" smtClean="0"/>
-              <a:t>7/27/2016</a:t>
+              <a:t>8/4/2016</a:t>
             </a:fld>
             <a:endParaRPr lang="en-US"/>
           </a:p>
@@ -1654,7 +1654,7 @@
           <a:p>
             <a:fld id="{310C515B-9C09-4435-86AC-AAC4045ED2C0}" type="datetimeFigureOut">
               <a:rPr lang="en-US" smtClean="0"/>
-              <a:t>7/27/2016</a:t>
+              <a:t>8/4/2016</a:t>
             </a:fld>
             <a:endParaRPr lang="en-US"/>
           </a:p>
@@ -1832,7 +1832,7 @@
           <a:p>
             <a:fld id="{310C515B-9C09-4435-86AC-AAC4045ED2C0}" type="datetimeFigureOut">
               <a:rPr lang="en-US" smtClean="0"/>
-              <a:t>7/27/2016</a:t>
+              <a:t>8/4/2016</a:t>
             </a:fld>
             <a:endParaRPr lang="en-US"/>
           </a:p>
@@ -2000,7 +2000,7 @@
           <a:p>
             <a:fld id="{310C515B-9C09-4435-86AC-AAC4045ED2C0}" type="datetimeFigureOut">
               <a:rPr lang="en-US" smtClean="0"/>
-              <a:t>7/27/2016</a:t>
+              <a:t>8/4/2016</a:t>
             </a:fld>
             <a:endParaRPr lang="en-US"/>
           </a:p>
@@ -2245,7 +2245,7 @@
           <a:p>
             <a:fld id="{310C515B-9C09-4435-86AC-AAC4045ED2C0}" type="datetimeFigureOut">
               <a:rPr lang="en-US" smtClean="0"/>
-              <a:t>7/27/2016</a:t>
+              <a:t>8/4/2016</a:t>
             </a:fld>
             <a:endParaRPr lang="en-US"/>
           </a:p>
@@ -2530,7 +2530,7 @@
           <a:p>
             <a:fld id="{310C515B-9C09-4435-86AC-AAC4045ED2C0}" type="datetimeFigureOut">
               <a:rPr lang="en-US" smtClean="0"/>
-              <a:t>7/27/2016</a:t>
+              <a:t>8/4/2016</a:t>
             </a:fld>
             <a:endParaRPr lang="en-US"/>
           </a:p>
@@ -2949,7 +2949,7 @@
           <a:p>
             <a:fld id="{310C515B-9C09-4435-86AC-AAC4045ED2C0}" type="datetimeFigureOut">
               <a:rPr lang="en-US" smtClean="0"/>
-              <a:t>7/27/2016</a:t>
+              <a:t>8/4/2016</a:t>
             </a:fld>
             <a:endParaRPr lang="en-US"/>
           </a:p>
@@ -3066,7 +3066,7 @@
           <a:p>
             <a:fld id="{310C515B-9C09-4435-86AC-AAC4045ED2C0}" type="datetimeFigureOut">
               <a:rPr lang="en-US" smtClean="0"/>
-              <a:t>7/27/2016</a:t>
+              <a:t>8/4/2016</a:t>
             </a:fld>
             <a:endParaRPr lang="en-US"/>
           </a:p>
@@ -3161,7 +3161,7 @@
           <a:p>
             <a:fld id="{310C515B-9C09-4435-86AC-AAC4045ED2C0}" type="datetimeFigureOut">
               <a:rPr lang="en-US" smtClean="0"/>
-              <a:t>7/27/2016</a:t>
+              <a:t>8/4/2016</a:t>
             </a:fld>
             <a:endParaRPr lang="en-US"/>
           </a:p>
@@ -3436,7 +3436,7 @@
           <a:p>
             <a:fld id="{310C515B-9C09-4435-86AC-AAC4045ED2C0}" type="datetimeFigureOut">
               <a:rPr lang="en-US" smtClean="0"/>
-              <a:t>7/27/2016</a:t>
+              <a:t>8/4/2016</a:t>
             </a:fld>
             <a:endParaRPr lang="en-US"/>
           </a:p>
@@ -3688,7 +3688,7 @@
           <a:p>
             <a:fld id="{310C515B-9C09-4435-86AC-AAC4045ED2C0}" type="datetimeFigureOut">
               <a:rPr lang="en-US" smtClean="0"/>
-              <a:t>7/27/2016</a:t>
+              <a:t>8/4/2016</a:t>
             </a:fld>
             <a:endParaRPr lang="en-US"/>
           </a:p>
@@ -3899,7 +3899,7 @@
           <a:p>
             <a:fld id="{310C515B-9C09-4435-86AC-AAC4045ED2C0}" type="datetimeFigureOut">
               <a:rPr lang="en-US" smtClean="0"/>
-              <a:t>7/27/2016</a:t>
+              <a:t>8/4/2016</a:t>
             </a:fld>
             <a:endParaRPr lang="en-US"/>
           </a:p>
@@ -8427,12 +8427,28 @@
               <a:buNone/>
             </a:pPr>
             <a:r>
-              <a:rPr lang="en-US" dirty="0">
+              <a:rPr lang="en-US" dirty="0" err="1">
                 <a:solidFill>
                   <a:srgbClr val="3333FF"/>
                 </a:solidFill>
               </a:rPr>
-              <a:t>ods listing</a:t>
+              <a:t>ods</a:t>
+            </a:r>
+            <a:r>
+              <a:rPr lang="en-US" dirty="0">
+                <a:solidFill>
+                  <a:srgbClr val="3333FF"/>
+                </a:solidFill>
+              </a:rPr>
+              <a:t> </a:t>
+            </a:r>
+            <a:r>
+              <a:rPr lang="en-US" dirty="0" smtClean="0">
+                <a:solidFill>
+                  <a:srgbClr val="3333FF"/>
+                </a:solidFill>
+              </a:rPr>
+              <a:t>html</a:t>
             </a:r>
             <a:r>
               <a:rPr lang="en-US" dirty="0"/>
@@ -8441,9 +8457,62 @@
           </a:p>
           <a:p>
             <a:r>
-              <a:rPr lang="en-US" dirty="0"/>
-              <a:t>Turn the output window destination back on</a:t>
-            </a:r>
+              <a:rPr lang="en-US" dirty="0" smtClean="0"/>
+              <a:t>Turn the newer HTML output back on (&gt;9.3)</a:t>
+            </a:r>
+            <a:endParaRPr lang="en-US" dirty="0"/>
+          </a:p>
+          <a:p>
+            <a:pPr>
+              <a:buNone/>
+            </a:pPr>
+            <a:r>
+              <a:rPr lang="en-US" dirty="0" err="1" smtClean="0">
+                <a:solidFill>
+                  <a:srgbClr val="3333FF"/>
+                </a:solidFill>
+              </a:rPr>
+              <a:t>ods</a:t>
+            </a:r>
+            <a:r>
+              <a:rPr lang="en-US" dirty="0" smtClean="0">
+                <a:solidFill>
+                  <a:srgbClr val="3333FF"/>
+                </a:solidFill>
+              </a:rPr>
+              <a:t> </a:t>
+            </a:r>
+            <a:r>
+              <a:rPr lang="en-US" dirty="0">
+                <a:solidFill>
+                  <a:srgbClr val="3333FF"/>
+                </a:solidFill>
+              </a:rPr>
+              <a:t>listing</a:t>
+            </a:r>
+            <a:r>
+              <a:rPr lang="en-US" dirty="0"/>
+              <a:t>;</a:t>
+            </a:r>
+          </a:p>
+          <a:p>
+            <a:r>
+              <a:rPr lang="en-US" dirty="0"/>
+              <a:t>Turn the output window destination back </a:t>
+            </a:r>
+            <a:r>
+              <a:rPr lang="en-US" dirty="0" smtClean="0"/>
+              <a:t>on</a:t>
+            </a:r>
+          </a:p>
+          <a:p>
+            <a:endParaRPr lang="en-US" dirty="0"/>
+          </a:p>
+          <a:p>
+            <a:pPr marL="0" indent="0">
+              <a:buNone/>
+            </a:pPr>
+            <a:endParaRPr lang="en-US" dirty="0"/>
           </a:p>
           <a:p>
             <a:pPr marL="0" indent="0">

--- a/Session4/session4_MRamos.pptx
+++ b/Session4/session4_MRamos.pptx
@@ -5,7 +5,7 @@
     <p:sldMasterId id="2147483648" r:id="rId1"/>
   </p:sldMasterIdLst>
   <p:notesMasterIdLst>
-    <p:notesMasterId r:id="rId27"/>
+    <p:notesMasterId r:id="rId28"/>
   </p:notesMasterIdLst>
   <p:sldIdLst>
     <p:sldId id="256" r:id="rId2"/>
@@ -32,7 +32,8 @@
     <p:sldId id="278" r:id="rId23"/>
     <p:sldId id="280" r:id="rId24"/>
     <p:sldId id="279" r:id="rId25"/>
-    <p:sldId id="281" r:id="rId26"/>
+    <p:sldId id="283" r:id="rId26"/>
+    <p:sldId id="281" r:id="rId27"/>
   </p:sldIdLst>
   <p:sldSz cx="9144000" cy="6858000" type="screen4x3"/>
   <p:notesSz cx="6858000" cy="9144000"/>
@@ -133,7 +134,7 @@
   </p:defaultTextStyle>
   <p:extLst>
     <p:ext uri="{EFAFB233-063F-42B5-8137-9DF3F51BA10A}">
-      <p15:sldGuideLst xmlns:p15="http://schemas.microsoft.com/office/powerpoint/2012/main" xmlns="">
+      <p15:sldGuideLst xmlns:p15="http://schemas.microsoft.com/office/powerpoint/2012/main">
         <p15:guide id="1" orient="horz" pos="2160">
           <p15:clr>
             <a:srgbClr val="A4A3A4"/>
@@ -1288,7 +1289,7 @@
           <a:p>
             <a:fld id="{BE079EC5-FF7A-4F3C-B2A5-7990A1EBFF81}" type="slidenum">
               <a:rPr lang="en-US" smtClean="0"/>
-              <a:t>25</a:t>
+              <a:t>26</a:t>
             </a:fld>
             <a:endParaRPr lang="en-US"/>
           </a:p>
@@ -8440,15 +8441,38 @@
                   <a:srgbClr val="3333FF"/>
                 </a:solidFill>
               </a:rPr>
-              <a:t> </a:t>
-            </a:r>
-            <a:r>
-              <a:rPr lang="en-US" dirty="0" smtClean="0">
+              <a:t> html</a:t>
+            </a:r>
+            <a:r>
+              <a:rPr lang="en-US" dirty="0"/>
+              <a:t>;</a:t>
+            </a:r>
+          </a:p>
+          <a:p>
+            <a:r>
+              <a:rPr lang="en-US" dirty="0"/>
+              <a:t>Turn the HTML output window back on (SAS Version &gt; 9.3)</a:t>
+            </a:r>
+          </a:p>
+          <a:p>
+            <a:pPr>
+              <a:buNone/>
+            </a:pPr>
+            <a:r>
+              <a:rPr lang="en-US" dirty="0" err="1">
                 <a:solidFill>
                   <a:srgbClr val="3333FF"/>
                 </a:solidFill>
               </a:rPr>
-              <a:t>html</a:t>
+              <a:t>ods</a:t>
+            </a:r>
+            <a:r>
+              <a:rPr lang="en-US" dirty="0">
+                <a:solidFill>
+                  <a:srgbClr val="3333FF"/>
+                </a:solidFill>
+              </a:rPr>
+              <a:t> listing</a:t>
             </a:r>
             <a:r>
               <a:rPr lang="en-US" dirty="0"/>
@@ -8457,52 +8481,8 @@
           </a:p>
           <a:p>
             <a:r>
-              <a:rPr lang="en-US" dirty="0" smtClean="0"/>
-              <a:t>Turn the newer HTML output back on (&gt;9.3)</a:t>
-            </a:r>
-            <a:endParaRPr lang="en-US" dirty="0"/>
-          </a:p>
-          <a:p>
-            <a:pPr>
-              <a:buNone/>
-            </a:pPr>
-            <a:r>
-              <a:rPr lang="en-US" dirty="0" err="1" smtClean="0">
-                <a:solidFill>
-                  <a:srgbClr val="3333FF"/>
-                </a:solidFill>
-              </a:rPr>
-              <a:t>ods</a:t>
-            </a:r>
-            <a:r>
-              <a:rPr lang="en-US" dirty="0" smtClean="0">
-                <a:solidFill>
-                  <a:srgbClr val="3333FF"/>
-                </a:solidFill>
-              </a:rPr>
-              <a:t> </a:t>
-            </a:r>
-            <a:r>
-              <a:rPr lang="en-US" dirty="0">
-                <a:solidFill>
-                  <a:srgbClr val="3333FF"/>
-                </a:solidFill>
-              </a:rPr>
-              <a:t>listing</a:t>
-            </a:r>
-            <a:r>
-              <a:rPr lang="en-US" dirty="0"/>
-              <a:t>;</a:t>
-            </a:r>
-          </a:p>
-          <a:p>
-            <a:r>
-              <a:rPr lang="en-US" dirty="0"/>
-              <a:t>Turn the output window destination back </a:t>
-            </a:r>
-            <a:r>
-              <a:rPr lang="en-US" dirty="0" smtClean="0"/>
-              <a:t>on</a:t>
+              <a:rPr lang="en-US" dirty="0"/>
+              <a:t>Turn the output window destination back on</a:t>
             </a:r>
           </a:p>
           <a:p>
@@ -8536,6 +8516,119 @@
 </file>
 
 <file path=ppt/slides/slide25.xml><?xml version="1.0" encoding="utf-8"?>
+<p:sld xmlns:a="http://schemas.openxmlformats.org/drawingml/2006/main" xmlns:r="http://schemas.openxmlformats.org/officeDocument/2006/relationships" xmlns:p="http://schemas.openxmlformats.org/presentationml/2006/main">
+  <p:cSld>
+    <p:spTree>
+      <p:nvGrpSpPr>
+        <p:cNvPr id="1" name=""/>
+        <p:cNvGrpSpPr/>
+        <p:nvPr/>
+      </p:nvGrpSpPr>
+      <p:grpSpPr>
+        <a:xfrm>
+          <a:off x="0" y="0"/>
+          <a:ext cx="0" cy="0"/>
+          <a:chOff x="0" y="0"/>
+          <a:chExt cx="0" cy="0"/>
+        </a:xfrm>
+      </p:grpSpPr>
+      <p:sp>
+        <p:nvSpPr>
+          <p:cNvPr id="2" name="Title 1"/>
+          <p:cNvSpPr>
+            <a:spLocks noGrp="1"/>
+          </p:cNvSpPr>
+          <p:nvPr>
+            <p:ph type="title"/>
+          </p:nvPr>
+        </p:nvSpPr>
+        <p:spPr/>
+        <p:txBody>
+          <a:bodyPr>
+            <a:normAutofit fontScale="90000"/>
+          </a:bodyPr>
+          <a:lstStyle/>
+          <a:p>
+            <a:r>
+              <a:rPr lang="en-US"/>
+              <a:t>Remove Format </a:t>
+            </a:r>
+            <a:r>
+              <a:rPr lang="en-US" dirty="0"/>
+              <a:t>Error Messages</a:t>
+            </a:r>
+            <a:br>
+              <a:rPr lang="en-US" dirty="0"/>
+            </a:br>
+            <a:r>
+              <a:rPr lang="en-US" sz="4000" dirty="0"/>
+              <a:t>global statement</a:t>
+            </a:r>
+          </a:p>
+        </p:txBody>
+      </p:sp>
+      <p:sp>
+        <p:nvSpPr>
+          <p:cNvPr id="3" name="Content Placeholder 2"/>
+          <p:cNvSpPr>
+            <a:spLocks noGrp="1"/>
+          </p:cNvSpPr>
+          <p:nvPr>
+            <p:ph idx="1"/>
+          </p:nvPr>
+        </p:nvSpPr>
+        <p:spPr/>
+        <p:txBody>
+          <a:bodyPr/>
+          <a:lstStyle/>
+          <a:p>
+            <a:r>
+              <a:rPr lang="en-US" dirty="0"/>
+              <a:t> </a:t>
+            </a:r>
+            <a:r>
+              <a:rPr lang="en-US" dirty="0">
+                <a:solidFill>
+                  <a:srgbClr val="6262FF"/>
+                </a:solidFill>
+              </a:rPr>
+              <a:t>Options </a:t>
+            </a:r>
+            <a:r>
+              <a:rPr lang="en-US" dirty="0" err="1">
+                <a:solidFill>
+                  <a:srgbClr val="6262FF"/>
+                </a:solidFill>
+              </a:rPr>
+              <a:t>nofmterr</a:t>
+            </a:r>
+            <a:r>
+              <a:rPr lang="en-US" dirty="0"/>
+              <a:t>; </a:t>
+            </a:r>
+          </a:p>
+          <a:p>
+            <a:r>
+              <a:rPr lang="en-US" dirty="0"/>
+              <a:t>Removes the errors that occur when datasets cannot be loaded due to missing format files</a:t>
+            </a:r>
+          </a:p>
+        </p:txBody>
+      </p:sp>
+    </p:spTree>
+    <p:extLst>
+      <p:ext uri="{BB962C8B-B14F-4D97-AF65-F5344CB8AC3E}">
+        <p14:creationId xmlns:p14="http://schemas.microsoft.com/office/powerpoint/2010/main" val="2196918384"/>
+      </p:ext>
+    </p:extLst>
+  </p:cSld>
+  <p:clrMapOvr>
+    <a:masterClrMapping/>
+  </p:clrMapOvr>
+</p:sld>
+</file>
+
+<file path=ppt/slides/slide26.xml><?xml version="1.0" encoding="utf-8"?>
 <p:sld xmlns:a="http://schemas.openxmlformats.org/drawingml/2006/main" xmlns:r="http://schemas.openxmlformats.org/officeDocument/2006/relationships" xmlns:p="http://schemas.openxmlformats.org/presentationml/2006/main">
   <p:cSld>
     <p:spTree>

--- a/Session4/session4_MRamos.pptx
+++ b/Session4/session4_MRamos.pptx
@@ -28,11 +28,11 @@
     <p:sldId id="274" r:id="rId19"/>
     <p:sldId id="276" r:id="rId20"/>
     <p:sldId id="275" r:id="rId21"/>
-    <p:sldId id="277" r:id="rId22"/>
-    <p:sldId id="278" r:id="rId23"/>
-    <p:sldId id="280" r:id="rId24"/>
-    <p:sldId id="279" r:id="rId25"/>
-    <p:sldId id="283" r:id="rId26"/>
+    <p:sldId id="283" r:id="rId22"/>
+    <p:sldId id="277" r:id="rId23"/>
+    <p:sldId id="278" r:id="rId24"/>
+    <p:sldId id="280" r:id="rId25"/>
+    <p:sldId id="279" r:id="rId26"/>
     <p:sldId id="281" r:id="rId27"/>
   </p:sldIdLst>
   <p:sldSz cx="9144000" cy="6858000" type="screen4x3"/>
@@ -233,7 +233,7 @@
           <a:p>
             <a:fld id="{F4BDB371-1C05-4FD4-BB0E-FCEE5EB6F818}" type="datetimeFigureOut">
               <a:rPr lang="en-US" smtClean="0"/>
-              <a:t>8/4/2016</a:t>
+              <a:t>8/5/2016</a:t>
             </a:fld>
             <a:endParaRPr lang="en-US"/>
           </a:p>
@@ -760,6 +760,11 @@
         </p:txBody>
       </p:sp>
     </p:spTree>
+    <p:extLst>
+      <p:ext uri="{BB962C8B-B14F-4D97-AF65-F5344CB8AC3E}">
+        <p14:creationId xmlns:p14="http://schemas.microsoft.com/office/powerpoint/2010/main" val="955436315"/>
+      </p:ext>
+    </p:extLst>
   </p:cSld>
   <p:clrMapOvr>
     <a:masterClrMapping/>
@@ -848,6 +853,11 @@
         </p:txBody>
       </p:sp>
     </p:spTree>
+    <p:extLst>
+      <p:ext uri="{BB962C8B-B14F-4D97-AF65-F5344CB8AC3E}">
+        <p14:creationId xmlns:p14="http://schemas.microsoft.com/office/powerpoint/2010/main" val="2884917321"/>
+      </p:ext>
+    </p:extLst>
   </p:cSld>
   <p:clrMapOvr>
     <a:masterClrMapping/>
@@ -936,6 +946,11 @@
         </p:txBody>
       </p:sp>
     </p:spTree>
+    <p:extLst>
+      <p:ext uri="{BB962C8B-B14F-4D97-AF65-F5344CB8AC3E}">
+        <p14:creationId xmlns:p14="http://schemas.microsoft.com/office/powerpoint/2010/main" val="1769985410"/>
+      </p:ext>
+    </p:extLst>
   </p:cSld>
   <p:clrMapOvr>
     <a:masterClrMapping/>
@@ -1038,6 +1053,11 @@
         </p:txBody>
       </p:sp>
     </p:spTree>
+    <p:extLst>
+      <p:ext uri="{BB962C8B-B14F-4D97-AF65-F5344CB8AC3E}">
+        <p14:creationId xmlns:p14="http://schemas.microsoft.com/office/powerpoint/2010/main" val="1291087417"/>
+      </p:ext>
+    </p:extLst>
   </p:cSld>
   <p:clrMapOvr>
     <a:masterClrMapping/>
@@ -1126,6 +1146,11 @@
         </p:txBody>
       </p:sp>
     </p:spTree>
+    <p:extLst>
+      <p:ext uri="{BB962C8B-B14F-4D97-AF65-F5344CB8AC3E}">
+        <p14:creationId xmlns:p14="http://schemas.microsoft.com/office/powerpoint/2010/main" val="264088434"/>
+      </p:ext>
+    </p:extLst>
   </p:cSld>
   <p:clrMapOvr>
     <a:masterClrMapping/>
@@ -1205,7 +1230,7 @@
           <a:p>
             <a:fld id="{BE079EC5-FF7A-4F3C-B2A5-7990A1EBFF81}" type="slidenum">
               <a:rPr lang="en-US" smtClean="0"/>
-              <a:t>22</a:t>
+              <a:t>23</a:t>
             </a:fld>
             <a:endParaRPr lang="en-US"/>
           </a:p>
@@ -1487,7 +1512,7 @@
           <a:p>
             <a:fld id="{310C515B-9C09-4435-86AC-AAC4045ED2C0}" type="datetimeFigureOut">
               <a:rPr lang="en-US" smtClean="0"/>
-              <a:t>8/4/2016</a:t>
+              <a:t>8/5/2016</a:t>
             </a:fld>
             <a:endParaRPr lang="en-US"/>
           </a:p>
@@ -1655,7 +1680,7 @@
           <a:p>
             <a:fld id="{310C515B-9C09-4435-86AC-AAC4045ED2C0}" type="datetimeFigureOut">
               <a:rPr lang="en-US" smtClean="0"/>
-              <a:t>8/4/2016</a:t>
+              <a:t>8/5/2016</a:t>
             </a:fld>
             <a:endParaRPr lang="en-US"/>
           </a:p>
@@ -1833,7 +1858,7 @@
           <a:p>
             <a:fld id="{310C515B-9C09-4435-86AC-AAC4045ED2C0}" type="datetimeFigureOut">
               <a:rPr lang="en-US" smtClean="0"/>
-              <a:t>8/4/2016</a:t>
+              <a:t>8/5/2016</a:t>
             </a:fld>
             <a:endParaRPr lang="en-US"/>
           </a:p>
@@ -2001,7 +2026,7 @@
           <a:p>
             <a:fld id="{310C515B-9C09-4435-86AC-AAC4045ED2C0}" type="datetimeFigureOut">
               <a:rPr lang="en-US" smtClean="0"/>
-              <a:t>8/4/2016</a:t>
+              <a:t>8/5/2016</a:t>
             </a:fld>
             <a:endParaRPr lang="en-US"/>
           </a:p>
@@ -2246,7 +2271,7 @@
           <a:p>
             <a:fld id="{310C515B-9C09-4435-86AC-AAC4045ED2C0}" type="datetimeFigureOut">
               <a:rPr lang="en-US" smtClean="0"/>
-              <a:t>8/4/2016</a:t>
+              <a:t>8/5/2016</a:t>
             </a:fld>
             <a:endParaRPr lang="en-US"/>
           </a:p>
@@ -2531,7 +2556,7 @@
           <a:p>
             <a:fld id="{310C515B-9C09-4435-86AC-AAC4045ED2C0}" type="datetimeFigureOut">
               <a:rPr lang="en-US" smtClean="0"/>
-              <a:t>8/4/2016</a:t>
+              <a:t>8/5/2016</a:t>
             </a:fld>
             <a:endParaRPr lang="en-US"/>
           </a:p>
@@ -2950,7 +2975,7 @@
           <a:p>
             <a:fld id="{310C515B-9C09-4435-86AC-AAC4045ED2C0}" type="datetimeFigureOut">
               <a:rPr lang="en-US" smtClean="0"/>
-              <a:t>8/4/2016</a:t>
+              <a:t>8/5/2016</a:t>
             </a:fld>
             <a:endParaRPr lang="en-US"/>
           </a:p>
@@ -3067,7 +3092,7 @@
           <a:p>
             <a:fld id="{310C515B-9C09-4435-86AC-AAC4045ED2C0}" type="datetimeFigureOut">
               <a:rPr lang="en-US" smtClean="0"/>
-              <a:t>8/4/2016</a:t>
+              <a:t>8/5/2016</a:t>
             </a:fld>
             <a:endParaRPr lang="en-US"/>
           </a:p>
@@ -3162,7 +3187,7 @@
           <a:p>
             <a:fld id="{310C515B-9C09-4435-86AC-AAC4045ED2C0}" type="datetimeFigureOut">
               <a:rPr lang="en-US" smtClean="0"/>
-              <a:t>8/4/2016</a:t>
+              <a:t>8/5/2016</a:t>
             </a:fld>
             <a:endParaRPr lang="en-US"/>
           </a:p>
@@ -3437,7 +3462,7 @@
           <a:p>
             <a:fld id="{310C515B-9C09-4435-86AC-AAC4045ED2C0}" type="datetimeFigureOut">
               <a:rPr lang="en-US" smtClean="0"/>
-              <a:t>8/4/2016</a:t>
+              <a:t>8/5/2016</a:t>
             </a:fld>
             <a:endParaRPr lang="en-US"/>
           </a:p>
@@ -3689,7 +3714,7 @@
           <a:p>
             <a:fld id="{310C515B-9C09-4435-86AC-AAC4045ED2C0}" type="datetimeFigureOut">
               <a:rPr lang="en-US" smtClean="0"/>
-              <a:t>8/4/2016</a:t>
+              <a:t>8/5/2016</a:t>
             </a:fld>
             <a:endParaRPr lang="en-US"/>
           </a:p>
@@ -3900,7 +3925,7 @@
           <a:p>
             <a:fld id="{310C515B-9C09-4435-86AC-AAC4045ED2C0}" type="datetimeFigureOut">
               <a:rPr lang="en-US" smtClean="0"/>
-              <a:t>8/4/2016</a:t>
+              <a:t>8/5/2016</a:t>
             </a:fld>
             <a:endParaRPr lang="en-US"/>
           </a:p>
@@ -8002,57 +8027,81 @@
         </p:nvSpPr>
         <p:spPr/>
         <p:txBody>
+          <a:bodyPr>
+            <a:normAutofit fontScale="90000"/>
+          </a:bodyPr>
+          <a:lstStyle/>
+          <a:p>
+            <a:r>
+              <a:rPr lang="en-US"/>
+              <a:t>Remove Format </a:t>
+            </a:r>
+            <a:r>
+              <a:rPr lang="en-US" dirty="0"/>
+              <a:t>Error Messages</a:t>
+            </a:r>
+            <a:br>
+              <a:rPr lang="en-US" dirty="0"/>
+            </a:br>
+            <a:r>
+              <a:rPr lang="en-US" sz="4000" dirty="0"/>
+              <a:t>global statement</a:t>
+            </a:r>
+          </a:p>
+        </p:txBody>
+      </p:sp>
+      <p:sp>
+        <p:nvSpPr>
+          <p:cNvPr id="3" name="Content Placeholder 2"/>
+          <p:cNvSpPr>
+            <a:spLocks noGrp="1"/>
+          </p:cNvSpPr>
+          <p:nvPr>
+            <p:ph idx="1"/>
+          </p:nvPr>
+        </p:nvSpPr>
+        <p:spPr/>
+        <p:txBody>
           <a:bodyPr/>
           <a:lstStyle/>
           <a:p>
             <a:r>
               <a:rPr lang="en-US" dirty="0"/>
-              <a:t>ODS (output delivery system)</a:t>
-            </a:r>
-          </a:p>
-        </p:txBody>
-      </p:sp>
-      <p:sp>
-        <p:nvSpPr>
-          <p:cNvPr id="3" name="Content Placeholder 2"/>
-          <p:cNvSpPr>
-            <a:spLocks noGrp="1"/>
-          </p:cNvSpPr>
-          <p:nvPr>
-            <p:ph idx="1"/>
-          </p:nvPr>
-        </p:nvSpPr>
-        <p:spPr/>
-        <p:txBody>
-          <a:bodyPr/>
-          <a:lstStyle/>
-          <a:p>
-            <a:r>
-              <a:rPr lang="en-US" dirty="0"/>
-              <a:t>Controls where output is sent (destination)</a:t>
-            </a:r>
-          </a:p>
-          <a:p>
-            <a:r>
-              <a:rPr lang="en-US" dirty="0"/>
-              <a:t>Output window is default</a:t>
-            </a:r>
-          </a:p>
-          <a:p>
-            <a:r>
-              <a:rPr lang="en-US" dirty="0"/>
-              <a:t>Output window called ‘listing’ in ODS</a:t>
-            </a:r>
-          </a:p>
-          <a:p>
-            <a:endParaRPr lang="en-US" dirty="0"/>
+              <a:t> </a:t>
+            </a:r>
+            <a:r>
+              <a:rPr lang="en-US" dirty="0">
+                <a:solidFill>
+                  <a:srgbClr val="6262FF"/>
+                </a:solidFill>
+              </a:rPr>
+              <a:t>Options </a:t>
+            </a:r>
+            <a:r>
+              <a:rPr lang="en-US" dirty="0" err="1">
+                <a:solidFill>
+                  <a:srgbClr val="6262FF"/>
+                </a:solidFill>
+              </a:rPr>
+              <a:t>nofmterr</a:t>
+            </a:r>
+            <a:r>
+              <a:rPr lang="en-US" dirty="0"/>
+              <a:t>; </a:t>
+            </a:r>
+          </a:p>
+          <a:p>
+            <a:r>
+              <a:rPr lang="en-US" dirty="0"/>
+              <a:t>Removes the errors that occur when datasets cannot be loaded due to missing format files</a:t>
+            </a:r>
           </a:p>
         </p:txBody>
       </p:sp>
     </p:spTree>
     <p:extLst>
       <p:ext uri="{BB962C8B-B14F-4D97-AF65-F5344CB8AC3E}">
-        <p14:creationId xmlns:p14="http://schemas.microsoft.com/office/powerpoint/2010/main" val="1695720286"/>
+        <p14:creationId xmlns:p14="http://schemas.microsoft.com/office/powerpoint/2010/main" val="1704650632"/>
       </p:ext>
     </p:extLst>
   </p:cSld>
@@ -8096,7 +8145,7 @@
           <a:p>
             <a:r>
               <a:rPr lang="en-US" dirty="0"/>
-              <a:t>ODS:  Output to Excel</a:t>
+              <a:t>ODS (output delivery system)</a:t>
             </a:r>
           </a:p>
         </p:txBody>
@@ -8116,75 +8165,21 @@
           <a:bodyPr/>
           <a:lstStyle/>
           <a:p>
-            <a:pPr>
-              <a:buFontTx/>
-              <a:buNone/>
-            </a:pPr>
-            <a:r>
-              <a:rPr lang="en-US" dirty="0">
-                <a:solidFill>
-                  <a:srgbClr val="3333FF"/>
-                </a:solidFill>
-              </a:rPr>
-              <a:t>ods html file</a:t>
-            </a:r>
-            <a:r>
-              <a:rPr lang="en-US" dirty="0"/>
-              <a:t>=</a:t>
-            </a:r>
-            <a:r>
-              <a:rPr lang="en-US" dirty="0">
-                <a:solidFill>
-                  <a:srgbClr val="993366"/>
-                </a:solidFill>
-              </a:rPr>
-              <a:t>‘path…\filename.xls’</a:t>
-            </a:r>
-            <a:r>
-              <a:rPr lang="en-US" dirty="0"/>
-              <a:t>;</a:t>
-            </a:r>
-          </a:p>
-          <a:p>
-            <a:pPr>
-              <a:buFontTx/>
-              <a:buNone/>
-            </a:pPr>
-            <a:endParaRPr lang="en-US" dirty="0"/>
-          </a:p>
-          <a:p>
-            <a:pPr>
-              <a:buFontTx/>
-              <a:buNone/>
-            </a:pPr>
-            <a:r>
-              <a:rPr lang="en-US" dirty="0"/>
-              <a:t>[procedure]</a:t>
-            </a:r>
-          </a:p>
-          <a:p>
-            <a:pPr>
-              <a:buFontTx/>
-              <a:buNone/>
-            </a:pPr>
-            <a:endParaRPr lang="en-US" dirty="0"/>
-          </a:p>
-          <a:p>
-            <a:pPr>
-              <a:buFontTx/>
-              <a:buNone/>
-            </a:pPr>
-            <a:r>
-              <a:rPr lang="en-US" dirty="0">
-                <a:solidFill>
-                  <a:srgbClr val="3333FF"/>
-                </a:solidFill>
-              </a:rPr>
-              <a:t>ods html close</a:t>
-            </a:r>
-            <a:r>
-              <a:rPr lang="en-US" dirty="0"/>
-              <a:t>;</a:t>
+            <a:r>
+              <a:rPr lang="en-US" dirty="0"/>
+              <a:t>Controls where output is sent (destination)</a:t>
+            </a:r>
+          </a:p>
+          <a:p>
+            <a:r>
+              <a:rPr lang="en-US" dirty="0"/>
+              <a:t>Output window is default</a:t>
+            </a:r>
+          </a:p>
+          <a:p>
+            <a:r>
+              <a:rPr lang="en-US" dirty="0"/>
+              <a:t>Output window called ‘listing’ in ODS</a:t>
             </a:r>
           </a:p>
           <a:p>
@@ -8195,7 +8190,7 @@
     </p:spTree>
     <p:extLst>
       <p:ext uri="{BB962C8B-B14F-4D97-AF65-F5344CB8AC3E}">
-        <p14:creationId xmlns:p14="http://schemas.microsoft.com/office/powerpoint/2010/main" val="2219356667"/>
+        <p14:creationId xmlns:p14="http://schemas.microsoft.com/office/powerpoint/2010/main" val="1695720286"/>
       </p:ext>
     </p:extLst>
   </p:cSld>
@@ -8293,28 +8288,6 @@
               <a:buFontTx/>
               <a:buNone/>
             </a:pPr>
-            <a:r>
-              <a:rPr lang="en-US" dirty="0">
-                <a:solidFill>
-                  <a:srgbClr val="3333FF"/>
-                </a:solidFill>
-              </a:rPr>
-              <a:t>ods </a:t>
-            </a:r>
-            <a:r>
-              <a:rPr lang="en-US" dirty="0" err="1"/>
-              <a:t>noresults</a:t>
-            </a:r>
-            <a:r>
-              <a:rPr lang="en-US" dirty="0"/>
-              <a:t>;</a:t>
-            </a:r>
-          </a:p>
-          <a:p>
-            <a:pPr>
-              <a:buFontTx/>
-              <a:buNone/>
-            </a:pPr>
             <a:endParaRPr lang="en-US" dirty="0"/>
           </a:p>
           <a:p>
@@ -8360,7 +8333,7 @@
     </p:spTree>
     <p:extLst>
       <p:ext uri="{BB962C8B-B14F-4D97-AF65-F5344CB8AC3E}">
-        <p14:creationId xmlns:p14="http://schemas.microsoft.com/office/powerpoint/2010/main" val="160641038"/>
+        <p14:creationId xmlns:p14="http://schemas.microsoft.com/office/powerpoint/2010/main" val="2219356667"/>
       </p:ext>
     </p:extLst>
   </p:cSld>
@@ -8404,7 +8377,7 @@
           <a:p>
             <a:r>
               <a:rPr lang="en-US" dirty="0"/>
-              <a:t>ODS</a:t>
+              <a:t>ODS:  Output to Excel</a:t>
             </a:r>
           </a:p>
         </p:txBody>
@@ -8421,10 +8394,133 @@
         </p:nvSpPr>
         <p:spPr/>
         <p:txBody>
-          <a:bodyPr/>
+          <a:bodyPr>
+            <a:normAutofit lnSpcReduction="10000"/>
+          </a:bodyPr>
           <a:lstStyle/>
           <a:p>
             <a:pPr>
+              <a:buFontTx/>
+              <a:buNone/>
+            </a:pPr>
+            <a:r>
+              <a:rPr lang="en-US" dirty="0">
+                <a:solidFill>
+                  <a:srgbClr val="3333FF"/>
+                </a:solidFill>
+              </a:rPr>
+              <a:t>ods html path = </a:t>
+            </a:r>
+            <a:r>
+              <a:rPr lang="en-US" dirty="0">
+                <a:solidFill>
+                  <a:srgbClr val="993366"/>
+                </a:solidFill>
+              </a:rPr>
+              <a:t>“c:\path\to\file”</a:t>
+            </a:r>
+            <a:endParaRPr lang="en-US" dirty="0">
+              <a:solidFill>
+                <a:srgbClr val="3333FF"/>
+              </a:solidFill>
+            </a:endParaRPr>
+          </a:p>
+          <a:p>
+            <a:pPr>
+              <a:buFontTx/>
+              <a:buNone/>
+            </a:pPr>
+            <a:r>
+              <a:rPr lang="en-US" dirty="0">
+                <a:solidFill>
+                  <a:srgbClr val="3333FF"/>
+                </a:solidFill>
+              </a:rPr>
+              <a:t>file</a:t>
+            </a:r>
+            <a:r>
+              <a:rPr lang="en-US" dirty="0"/>
+              <a:t>=</a:t>
+            </a:r>
+            <a:r>
+              <a:rPr lang="en-US" dirty="0">
+                <a:solidFill>
+                  <a:srgbClr val="993366"/>
+                </a:solidFill>
+              </a:rPr>
+              <a:t>‘filename.xls’</a:t>
+            </a:r>
+            <a:r>
+              <a:rPr lang="en-US" dirty="0"/>
+              <a:t>;</a:t>
+            </a:r>
+          </a:p>
+          <a:p>
+            <a:pPr>
+              <a:buFontTx/>
+              <a:buNone/>
+            </a:pPr>
+            <a:r>
+              <a:rPr lang="en-US" dirty="0">
+                <a:solidFill>
+                  <a:srgbClr val="3333FF"/>
+                </a:solidFill>
+              </a:rPr>
+              <a:t>ods </a:t>
+            </a:r>
+            <a:r>
+              <a:rPr lang="en-US" dirty="0" err="1"/>
+              <a:t>noresults</a:t>
+            </a:r>
+            <a:r>
+              <a:rPr lang="en-US" dirty="0"/>
+              <a:t>;</a:t>
+            </a:r>
+          </a:p>
+          <a:p>
+            <a:pPr>
+              <a:buFontTx/>
+              <a:buNone/>
+            </a:pPr>
+            <a:endParaRPr lang="en-US" dirty="0"/>
+          </a:p>
+          <a:p>
+            <a:pPr>
+              <a:buFontTx/>
+              <a:buNone/>
+            </a:pPr>
+            <a:r>
+              <a:rPr lang="en-US" dirty="0"/>
+              <a:t>[procedure]</a:t>
+            </a:r>
+          </a:p>
+          <a:p>
+            <a:pPr>
+              <a:buFontTx/>
+              <a:buNone/>
+            </a:pPr>
+            <a:endParaRPr lang="en-US" dirty="0"/>
+          </a:p>
+          <a:p>
+            <a:pPr>
+              <a:buFontTx/>
+              <a:buNone/>
+            </a:pPr>
+            <a:r>
+              <a:rPr lang="en-US" dirty="0">
+                <a:solidFill>
+                  <a:srgbClr val="3333FF"/>
+                </a:solidFill>
+              </a:rPr>
+              <a:t>ods html close</a:t>
+            </a:r>
+            <a:r>
+              <a:rPr lang="en-US" dirty="0"/>
+              <a:t>;</a:t>
+            </a:r>
+          </a:p>
+          <a:p>
+            <a:pPr marL="0" indent="0">
               <a:buNone/>
             </a:pPr>
             <a:r>
@@ -8441,63 +8537,20 @@
                   <a:srgbClr val="3333FF"/>
                 </a:solidFill>
               </a:rPr>
-              <a:t> html</a:t>
+              <a:t> html </a:t>
             </a:r>
             <a:r>
               <a:rPr lang="en-US" dirty="0"/>
               <a:t>;</a:t>
             </a:r>
-          </a:p>
-          <a:p>
-            <a:r>
-              <a:rPr lang="en-US" dirty="0"/>
-              <a:t>Turn the HTML output window back on (SAS Version &gt; 9.3)</a:t>
-            </a:r>
-          </a:p>
-          <a:p>
-            <a:pPr>
-              <a:buNone/>
-            </a:pPr>
-            <a:r>
-              <a:rPr lang="en-US" dirty="0" err="1">
+            <a:r>
+              <a:rPr lang="en-US" dirty="0">
                 <a:solidFill>
                   <a:srgbClr val="3333FF"/>
                 </a:solidFill>
               </a:rPr>
-              <a:t>ods</a:t>
-            </a:r>
-            <a:r>
-              <a:rPr lang="en-US" dirty="0">
-                <a:solidFill>
-                  <a:srgbClr val="3333FF"/>
-                </a:solidFill>
-              </a:rPr>
-              <a:t> listing</a:t>
-            </a:r>
-            <a:r>
-              <a:rPr lang="en-US" dirty="0"/>
-              <a:t>;</a:t>
-            </a:r>
-          </a:p>
-          <a:p>
-            <a:r>
-              <a:rPr lang="en-US" dirty="0"/>
-              <a:t>Turn the output window destination back on</a:t>
-            </a:r>
-          </a:p>
-          <a:p>
-            <a:endParaRPr lang="en-US" dirty="0"/>
-          </a:p>
-          <a:p>
-            <a:pPr marL="0" indent="0">
-              <a:buNone/>
-            </a:pPr>
-            <a:endParaRPr lang="en-US" dirty="0"/>
-          </a:p>
-          <a:p>
-            <a:pPr marL="0" indent="0">
-              <a:buNone/>
-            </a:pPr>
+              <a:t> </a:t>
+            </a:r>
             <a:endParaRPr lang="en-US" dirty="0"/>
           </a:p>
         </p:txBody>
@@ -8505,7 +8558,7 @@
     </p:spTree>
     <p:extLst>
       <p:ext uri="{BB962C8B-B14F-4D97-AF65-F5344CB8AC3E}">
-        <p14:creationId xmlns:p14="http://schemas.microsoft.com/office/powerpoint/2010/main" val="591081726"/>
+        <p14:creationId xmlns:p14="http://schemas.microsoft.com/office/powerpoint/2010/main" val="160641038"/>
       </p:ext>
     </p:extLst>
   </p:cSld>
@@ -8544,25 +8597,12 @@
         </p:nvSpPr>
         <p:spPr/>
         <p:txBody>
-          <a:bodyPr>
-            <a:normAutofit fontScale="90000"/>
-          </a:bodyPr>
-          <a:lstStyle/>
-          <a:p>
-            <a:r>
-              <a:rPr lang="en-US"/>
-              <a:t>Remove Format </a:t>
-            </a:r>
-            <a:r>
-              <a:rPr lang="en-US" dirty="0"/>
-              <a:t>Error Messages</a:t>
-            </a:r>
-            <a:br>
-              <a:rPr lang="en-US" dirty="0"/>
-            </a:br>
-            <a:r>
-              <a:rPr lang="en-US" sz="4000" dirty="0"/>
-              <a:t>global statement</a:t>
+          <a:bodyPr/>
+          <a:lstStyle/>
+          <a:p>
+            <a:r>
+              <a:rPr lang="en-US" dirty="0"/>
+              <a:t>ODS</a:t>
             </a:r>
           </a:p>
         </p:txBody>
@@ -8582,43 +8622,84 @@
           <a:bodyPr/>
           <a:lstStyle/>
           <a:p>
-            <a:r>
-              <a:rPr lang="en-US" dirty="0"/>
-              <a:t> </a:t>
-            </a:r>
-            <a:r>
-              <a:rPr lang="en-US" dirty="0">
-                <a:solidFill>
-                  <a:srgbClr val="6262FF"/>
-                </a:solidFill>
-              </a:rPr>
-              <a:t>Options </a:t>
-            </a:r>
+            <a:pPr>
+              <a:buNone/>
+            </a:pPr>
             <a:r>
               <a:rPr lang="en-US" dirty="0" err="1">
                 <a:solidFill>
-                  <a:srgbClr val="6262FF"/>
-                </a:solidFill>
-              </a:rPr>
-              <a:t>nofmterr</a:t>
-            </a:r>
-            <a:r>
-              <a:rPr lang="en-US" dirty="0"/>
-              <a:t>; </a:t>
-            </a:r>
-          </a:p>
-          <a:p>
-            <a:r>
-              <a:rPr lang="en-US" dirty="0"/>
-              <a:t>Removes the errors that occur when datasets cannot be loaded due to missing format files</a:t>
-            </a:r>
+                  <a:srgbClr val="3333FF"/>
+                </a:solidFill>
+              </a:rPr>
+              <a:t>ods</a:t>
+            </a:r>
+            <a:r>
+              <a:rPr lang="en-US" dirty="0">
+                <a:solidFill>
+                  <a:srgbClr val="3333FF"/>
+                </a:solidFill>
+              </a:rPr>
+              <a:t> html</a:t>
+            </a:r>
+            <a:r>
+              <a:rPr lang="en-US" dirty="0"/>
+              <a:t> ;</a:t>
+            </a:r>
+            <a:endParaRPr lang="en-US" dirty="0">
+              <a:solidFill>
+                <a:srgbClr val="3333FF"/>
+              </a:solidFill>
+            </a:endParaRPr>
+          </a:p>
+          <a:p>
+            <a:r>
+              <a:rPr lang="en-US" dirty="0"/>
+              <a:t>Turn the HTML output window back on (SAS Versions &gt; 9.3)</a:t>
+            </a:r>
+          </a:p>
+          <a:p>
+            <a:pPr>
+              <a:buNone/>
+            </a:pPr>
+            <a:r>
+              <a:rPr lang="en-US" dirty="0" err="1">
+                <a:solidFill>
+                  <a:srgbClr val="3333FF"/>
+                </a:solidFill>
+              </a:rPr>
+              <a:t>ods</a:t>
+            </a:r>
+            <a:r>
+              <a:rPr lang="en-US" dirty="0">
+                <a:solidFill>
+                  <a:srgbClr val="3333FF"/>
+                </a:solidFill>
+              </a:rPr>
+              <a:t> listing</a:t>
+            </a:r>
+            <a:r>
+              <a:rPr lang="en-US" dirty="0"/>
+              <a:t>;</a:t>
+            </a:r>
+          </a:p>
+          <a:p>
+            <a:r>
+              <a:rPr lang="en-US" dirty="0"/>
+              <a:t>Turn the output window destination back on</a:t>
+            </a:r>
+          </a:p>
+          <a:p>
+            <a:pPr marL="0" indent="0">
+              <a:buNone/>
+            </a:pPr>
+            <a:endParaRPr lang="en-US" dirty="0"/>
           </a:p>
         </p:txBody>
       </p:sp>
     </p:spTree>
     <p:extLst>
       <p:ext uri="{BB962C8B-B14F-4D97-AF65-F5344CB8AC3E}">
-        <p14:creationId xmlns:p14="http://schemas.microsoft.com/office/powerpoint/2010/main" val="2196918384"/>
+        <p14:creationId xmlns:p14="http://schemas.microsoft.com/office/powerpoint/2010/main" val="591081726"/>
       </p:ext>
     </p:extLst>
   </p:cSld>
